--- a/Presentation.pptx
+++ b/Presentation.pptx
@@ -4,15 +4,19 @@
   <p:sldMasterIdLst>
     <p:sldMasterId id="2147483660" r:id="rId1"/>
   </p:sldMasterIdLst>
+  <p:notesMasterIdLst>
+    <p:notesMasterId r:id="rId11"/>
+  </p:notesMasterIdLst>
   <p:sldIdLst>
     <p:sldId id="256" r:id="rId2"/>
     <p:sldId id="257" r:id="rId3"/>
-    <p:sldId id="262" r:id="rId4"/>
-    <p:sldId id="259" r:id="rId5"/>
-    <p:sldId id="260" r:id="rId6"/>
-    <p:sldId id="263" r:id="rId7"/>
-    <p:sldId id="264" r:id="rId8"/>
-    <p:sldId id="261" r:id="rId9"/>
+    <p:sldId id="265" r:id="rId4"/>
+    <p:sldId id="262" r:id="rId5"/>
+    <p:sldId id="259" r:id="rId6"/>
+    <p:sldId id="260" r:id="rId7"/>
+    <p:sldId id="263" r:id="rId8"/>
+    <p:sldId id="264" r:id="rId9"/>
+    <p:sldId id="261" r:id="rId10"/>
   </p:sldIdLst>
   <p:sldSz cx="9144000" cy="6858000" type="screen4x3"/>
   <p:notesSz cx="6858000" cy="9144000"/>
@@ -114,6 +118,356 @@
 </p:presentation>
 </file>
 
+<file path=ppt/notesMasters/notesMaster1.xml><?xml version="1.0" encoding="utf-8"?>
+<p:notesMaster xmlns:a="http://schemas.openxmlformats.org/drawingml/2006/main" xmlns:r="http://schemas.openxmlformats.org/officeDocument/2006/relationships" xmlns:p="http://schemas.openxmlformats.org/presentationml/2006/main">
+  <p:cSld>
+    <p:bg>
+      <p:bgRef idx="1001">
+        <a:schemeClr val="bg1"/>
+      </p:bgRef>
+    </p:bg>
+    <p:spTree>
+      <p:nvGrpSpPr>
+        <p:cNvPr id="1" name=""/>
+        <p:cNvGrpSpPr/>
+        <p:nvPr/>
+      </p:nvGrpSpPr>
+      <p:grpSpPr>
+        <a:xfrm>
+          <a:off x="0" y="0"/>
+          <a:ext cx="0" cy="0"/>
+          <a:chOff x="0" y="0"/>
+          <a:chExt cx="0" cy="0"/>
+        </a:xfrm>
+      </p:grpSpPr>
+      <p:sp>
+        <p:nvSpPr>
+          <p:cNvPr id="2" name="Header Placeholder 1"/>
+          <p:cNvSpPr>
+            <a:spLocks noGrp="1"/>
+          </p:cNvSpPr>
+          <p:nvPr>
+            <p:ph type="hdr" sz="quarter"/>
+          </p:nvPr>
+        </p:nvSpPr>
+        <p:spPr>
+          <a:xfrm>
+            <a:off x="0" y="0"/>
+            <a:ext cx="2971800" cy="457200"/>
+          </a:xfrm>
+          <a:prstGeom prst="rect">
+            <a:avLst/>
+          </a:prstGeom>
+        </p:spPr>
+        <p:txBody>
+          <a:bodyPr vert="horz" lIns="91440" tIns="45720" rIns="91440" bIns="45720" rtlCol="0"/>
+          <a:lstStyle>
+            <a:lvl1pPr algn="l">
+              <a:defRPr sz="1200"/>
+            </a:lvl1pPr>
+          </a:lstStyle>
+          <a:p>
+            <a:endParaRPr lang="en-US"/>
+          </a:p>
+        </p:txBody>
+      </p:sp>
+      <p:sp>
+        <p:nvSpPr>
+          <p:cNvPr id="3" name="Date Placeholder 2"/>
+          <p:cNvSpPr>
+            <a:spLocks noGrp="1"/>
+          </p:cNvSpPr>
+          <p:nvPr>
+            <p:ph type="dt" idx="1"/>
+          </p:nvPr>
+        </p:nvSpPr>
+        <p:spPr>
+          <a:xfrm>
+            <a:off x="3884613" y="0"/>
+            <a:ext cx="2971800" cy="457200"/>
+          </a:xfrm>
+          <a:prstGeom prst="rect">
+            <a:avLst/>
+          </a:prstGeom>
+        </p:spPr>
+        <p:txBody>
+          <a:bodyPr vert="horz" lIns="91440" tIns="45720" rIns="91440" bIns="45720" rtlCol="0"/>
+          <a:lstStyle>
+            <a:lvl1pPr algn="r">
+              <a:defRPr sz="1200"/>
+            </a:lvl1pPr>
+          </a:lstStyle>
+          <a:p>
+            <a:fld id="{B1722018-84EE-DE4D-9BC3-71D64FD2536E}" type="datetimeFigureOut">
+              <a:rPr lang="en-US" smtClean="0"/>
+              <a:t>4/7/19</a:t>
+            </a:fld>
+            <a:endParaRPr lang="en-US"/>
+          </a:p>
+        </p:txBody>
+      </p:sp>
+      <p:sp>
+        <p:nvSpPr>
+          <p:cNvPr id="4" name="Slide Image Placeholder 3"/>
+          <p:cNvSpPr>
+            <a:spLocks noGrp="1" noRot="1" noChangeAspect="1"/>
+          </p:cNvSpPr>
+          <p:nvPr>
+            <p:ph type="sldImg" idx="2"/>
+          </p:nvPr>
+        </p:nvSpPr>
+        <p:spPr>
+          <a:xfrm>
+            <a:off x="1143000" y="685800"/>
+            <a:ext cx="4572000" cy="3429000"/>
+          </a:xfrm>
+          <a:prstGeom prst="rect">
+            <a:avLst/>
+          </a:prstGeom>
+          <a:noFill/>
+          <a:ln w="12700">
+            <a:solidFill>
+              <a:prstClr val="black"/>
+            </a:solidFill>
+          </a:ln>
+        </p:spPr>
+        <p:txBody>
+          <a:bodyPr vert="horz" lIns="91440" tIns="45720" rIns="91440" bIns="45720" rtlCol="0" anchor="ctr"/>
+          <a:lstStyle/>
+          <a:p>
+            <a:endParaRPr lang="en-US"/>
+          </a:p>
+        </p:txBody>
+      </p:sp>
+      <p:sp>
+        <p:nvSpPr>
+          <p:cNvPr id="5" name="Notes Placeholder 4"/>
+          <p:cNvSpPr>
+            <a:spLocks noGrp="1"/>
+          </p:cNvSpPr>
+          <p:nvPr>
+            <p:ph type="body" sz="quarter" idx="3"/>
+          </p:nvPr>
+        </p:nvSpPr>
+        <p:spPr>
+          <a:xfrm>
+            <a:off x="685800" y="4343400"/>
+            <a:ext cx="5486400" cy="4114800"/>
+          </a:xfrm>
+          <a:prstGeom prst="rect">
+            <a:avLst/>
+          </a:prstGeom>
+        </p:spPr>
+        <p:txBody>
+          <a:bodyPr vert="horz" lIns="91440" tIns="45720" rIns="91440" bIns="45720" rtlCol="0"/>
+          <a:lstStyle/>
+          <a:p>
+            <a:pPr lvl="0"/>
+            <a:r>
+              <a:rPr lang="ga-IE" smtClean="0"/>
+              <a:t>Click to edit Master text styles</a:t>
+            </a:r>
+          </a:p>
+          <a:p>
+            <a:pPr lvl="1"/>
+            <a:r>
+              <a:rPr lang="ga-IE" smtClean="0"/>
+              <a:t>Second level</a:t>
+            </a:r>
+          </a:p>
+          <a:p>
+            <a:pPr lvl="2"/>
+            <a:r>
+              <a:rPr lang="ga-IE" smtClean="0"/>
+              <a:t>Third level</a:t>
+            </a:r>
+          </a:p>
+          <a:p>
+            <a:pPr lvl="3"/>
+            <a:r>
+              <a:rPr lang="ga-IE" smtClean="0"/>
+              <a:t>Fourth level</a:t>
+            </a:r>
+          </a:p>
+          <a:p>
+            <a:pPr lvl="4"/>
+            <a:r>
+              <a:rPr lang="ga-IE" smtClean="0"/>
+              <a:t>Fifth level</a:t>
+            </a:r>
+            <a:endParaRPr lang="en-US"/>
+          </a:p>
+        </p:txBody>
+      </p:sp>
+      <p:sp>
+        <p:nvSpPr>
+          <p:cNvPr id="6" name="Footer Placeholder 5"/>
+          <p:cNvSpPr>
+            <a:spLocks noGrp="1"/>
+          </p:cNvSpPr>
+          <p:nvPr>
+            <p:ph type="ftr" sz="quarter" idx="4"/>
+          </p:nvPr>
+        </p:nvSpPr>
+        <p:spPr>
+          <a:xfrm>
+            <a:off x="0" y="8685213"/>
+            <a:ext cx="2971800" cy="457200"/>
+          </a:xfrm>
+          <a:prstGeom prst="rect">
+            <a:avLst/>
+          </a:prstGeom>
+        </p:spPr>
+        <p:txBody>
+          <a:bodyPr vert="horz" lIns="91440" tIns="45720" rIns="91440" bIns="45720" rtlCol="0" anchor="b"/>
+          <a:lstStyle>
+            <a:lvl1pPr algn="l">
+              <a:defRPr sz="1200"/>
+            </a:lvl1pPr>
+          </a:lstStyle>
+          <a:p>
+            <a:endParaRPr lang="en-US"/>
+          </a:p>
+        </p:txBody>
+      </p:sp>
+      <p:sp>
+        <p:nvSpPr>
+          <p:cNvPr id="7" name="Slide Number Placeholder 6"/>
+          <p:cNvSpPr>
+            <a:spLocks noGrp="1"/>
+          </p:cNvSpPr>
+          <p:nvPr>
+            <p:ph type="sldNum" sz="quarter" idx="5"/>
+          </p:nvPr>
+        </p:nvSpPr>
+        <p:spPr>
+          <a:xfrm>
+            <a:off x="3884613" y="8685213"/>
+            <a:ext cx="2971800" cy="457200"/>
+          </a:xfrm>
+          <a:prstGeom prst="rect">
+            <a:avLst/>
+          </a:prstGeom>
+        </p:spPr>
+        <p:txBody>
+          <a:bodyPr vert="horz" lIns="91440" tIns="45720" rIns="91440" bIns="45720" rtlCol="0" anchor="b"/>
+          <a:lstStyle>
+            <a:lvl1pPr algn="r">
+              <a:defRPr sz="1200"/>
+            </a:lvl1pPr>
+          </a:lstStyle>
+          <a:p>
+            <a:fld id="{E6B5198C-5C63-3D47-9334-A8864C3F2AD2}" type="slidenum">
+              <a:rPr lang="en-US" smtClean="0"/>
+              <a:t>‹#›</a:t>
+            </a:fld>
+            <a:endParaRPr lang="en-US"/>
+          </a:p>
+        </p:txBody>
+      </p:sp>
+    </p:spTree>
+    <p:extLst>
+      <p:ext uri="{BB962C8B-B14F-4D97-AF65-F5344CB8AC3E}">
+        <p14:creationId xmlns:p14="http://schemas.microsoft.com/office/powerpoint/2010/main" val="883981143"/>
+      </p:ext>
+    </p:extLst>
+  </p:cSld>
+  <p:clrMap bg1="lt1" tx1="dk1" bg2="lt2" tx2="dk2" accent1="accent1" accent2="accent2" accent3="accent3" accent4="accent4" accent5="accent5" accent6="accent6" hlink="hlink" folHlink="folHlink"/>
+  <p:notesStyle>
+    <a:lvl1pPr marL="0" algn="l" defTabSz="457200" rtl="0" eaLnBrk="1" latinLnBrk="0" hangingPunct="1">
+      <a:defRPr sz="1200" kern="1200">
+        <a:solidFill>
+          <a:schemeClr val="tx1"/>
+        </a:solidFill>
+        <a:latin typeface="+mn-lt"/>
+        <a:ea typeface="+mn-ea"/>
+        <a:cs typeface="+mn-cs"/>
+      </a:defRPr>
+    </a:lvl1pPr>
+    <a:lvl2pPr marL="457200" algn="l" defTabSz="457200" rtl="0" eaLnBrk="1" latinLnBrk="0" hangingPunct="1">
+      <a:defRPr sz="1200" kern="1200">
+        <a:solidFill>
+          <a:schemeClr val="tx1"/>
+        </a:solidFill>
+        <a:latin typeface="+mn-lt"/>
+        <a:ea typeface="+mn-ea"/>
+        <a:cs typeface="+mn-cs"/>
+      </a:defRPr>
+    </a:lvl2pPr>
+    <a:lvl3pPr marL="914400" algn="l" defTabSz="457200" rtl="0" eaLnBrk="1" latinLnBrk="0" hangingPunct="1">
+      <a:defRPr sz="1200" kern="1200">
+        <a:solidFill>
+          <a:schemeClr val="tx1"/>
+        </a:solidFill>
+        <a:latin typeface="+mn-lt"/>
+        <a:ea typeface="+mn-ea"/>
+        <a:cs typeface="+mn-cs"/>
+      </a:defRPr>
+    </a:lvl3pPr>
+    <a:lvl4pPr marL="1371600" algn="l" defTabSz="457200" rtl="0" eaLnBrk="1" latinLnBrk="0" hangingPunct="1">
+      <a:defRPr sz="1200" kern="1200">
+        <a:solidFill>
+          <a:schemeClr val="tx1"/>
+        </a:solidFill>
+        <a:latin typeface="+mn-lt"/>
+        <a:ea typeface="+mn-ea"/>
+        <a:cs typeface="+mn-cs"/>
+      </a:defRPr>
+    </a:lvl4pPr>
+    <a:lvl5pPr marL="1828800" algn="l" defTabSz="457200" rtl="0" eaLnBrk="1" latinLnBrk="0" hangingPunct="1">
+      <a:defRPr sz="1200" kern="1200">
+        <a:solidFill>
+          <a:schemeClr val="tx1"/>
+        </a:solidFill>
+        <a:latin typeface="+mn-lt"/>
+        <a:ea typeface="+mn-ea"/>
+        <a:cs typeface="+mn-cs"/>
+      </a:defRPr>
+    </a:lvl5pPr>
+    <a:lvl6pPr marL="2286000" algn="l" defTabSz="457200" rtl="0" eaLnBrk="1" latinLnBrk="0" hangingPunct="1">
+      <a:defRPr sz="1200" kern="1200">
+        <a:solidFill>
+          <a:schemeClr val="tx1"/>
+        </a:solidFill>
+        <a:latin typeface="+mn-lt"/>
+        <a:ea typeface="+mn-ea"/>
+        <a:cs typeface="+mn-cs"/>
+      </a:defRPr>
+    </a:lvl6pPr>
+    <a:lvl7pPr marL="2743200" algn="l" defTabSz="457200" rtl="0" eaLnBrk="1" latinLnBrk="0" hangingPunct="1">
+      <a:defRPr sz="1200" kern="1200">
+        <a:solidFill>
+          <a:schemeClr val="tx1"/>
+        </a:solidFill>
+        <a:latin typeface="+mn-lt"/>
+        <a:ea typeface="+mn-ea"/>
+        <a:cs typeface="+mn-cs"/>
+      </a:defRPr>
+    </a:lvl7pPr>
+    <a:lvl8pPr marL="3200400" algn="l" defTabSz="457200" rtl="0" eaLnBrk="1" latinLnBrk="0" hangingPunct="1">
+      <a:defRPr sz="1200" kern="1200">
+        <a:solidFill>
+          <a:schemeClr val="tx1"/>
+        </a:solidFill>
+        <a:latin typeface="+mn-lt"/>
+        <a:ea typeface="+mn-ea"/>
+        <a:cs typeface="+mn-cs"/>
+      </a:defRPr>
+    </a:lvl8pPr>
+    <a:lvl9pPr marL="3657600" algn="l" defTabSz="457200" rtl="0" eaLnBrk="1" latinLnBrk="0" hangingPunct="1">
+      <a:defRPr sz="1200" kern="1200">
+        <a:solidFill>
+          <a:schemeClr val="tx1"/>
+        </a:solidFill>
+        <a:latin typeface="+mn-lt"/>
+        <a:ea typeface="+mn-ea"/>
+        <a:cs typeface="+mn-cs"/>
+      </a:defRPr>
+    </a:lvl9pPr>
+  </p:notesStyle>
+</p:notesMaster>
+</file>
+
 <file path=ppt/slideLayouts/slideLayout1.xml><?xml version="1.0" encoding="utf-8"?>
 <p:sldLayout xmlns:a="http://schemas.openxmlformats.org/drawingml/2006/main" xmlns:r="http://schemas.openxmlformats.org/officeDocument/2006/relationships" xmlns:p="http://schemas.openxmlformats.org/presentationml/2006/main" type="title" preserve="1">
   <p:cSld name="Title Slide">
@@ -310,7 +664,7 @@
           <a:p>
             <a:fld id="{679BC7E7-EA8E-4DA7-915E-CC098D9BADCB}" type="datetimeFigureOut">
               <a:rPr lang="en-US" smtClean="0"/>
-              <a:t>4/5/19</a:t>
+              <a:t>4/7/19</a:t>
             </a:fld>
             <a:endParaRPr lang="en-US"/>
           </a:p>
@@ -439,7 +793,7 @@
           <a:p>
             <a:fld id="{679BC7E7-EA8E-4DA7-915E-CC098D9BADCB}" type="datetimeFigureOut">
               <a:rPr lang="en-US" smtClean="0"/>
-              <a:t>4/5/19</a:t>
+              <a:t>4/7/19</a:t>
             </a:fld>
             <a:endParaRPr lang="en-US"/>
           </a:p>
@@ -744,7 +1098,7 @@
           <a:p>
             <a:fld id="{679BC7E7-EA8E-4DA7-915E-CC098D9BADCB}" type="datetimeFigureOut">
               <a:rPr lang="en-US" smtClean="0"/>
-              <a:t>4/5/19</a:t>
+              <a:t>4/7/19</a:t>
             </a:fld>
             <a:endParaRPr lang="en-US"/>
           </a:p>
@@ -969,7 +1323,7 @@
           <a:p>
             <a:fld id="{679BC7E7-EA8E-4DA7-915E-CC098D9BADCB}" type="datetimeFigureOut">
               <a:rPr lang="en-US" smtClean="0"/>
-              <a:t>4/5/19</a:t>
+              <a:t>4/7/19</a:t>
             </a:fld>
             <a:endParaRPr lang="en-US"/>
           </a:p>
@@ -1239,7 +1593,7 @@
           <a:p>
             <a:fld id="{679BC7E7-EA8E-4DA7-915E-CC098D9BADCB}" type="datetimeFigureOut">
               <a:rPr lang="en-US" smtClean="0"/>
-              <a:t>4/5/19</a:t>
+              <a:t>4/7/19</a:t>
             </a:fld>
             <a:endParaRPr lang="en-US"/>
           </a:p>
@@ -1564,7 +1918,7 @@
           <a:p>
             <a:fld id="{679BC7E7-EA8E-4DA7-915E-CC098D9BADCB}" type="datetimeFigureOut">
               <a:rPr lang="en-US" smtClean="0"/>
-              <a:t>4/5/19</a:t>
+              <a:t>4/7/19</a:t>
             </a:fld>
             <a:endParaRPr lang="en-US"/>
           </a:p>
@@ -1757,7 +2111,7 @@
           <a:p>
             <a:fld id="{679BC7E7-EA8E-4DA7-915E-CC098D9BADCB}" type="datetimeFigureOut">
               <a:rPr lang="en-US" smtClean="0"/>
-              <a:t>4/5/19</a:t>
+              <a:t>4/7/19</a:t>
             </a:fld>
             <a:endParaRPr lang="en-US"/>
           </a:p>
@@ -1861,7 +2215,7 @@
           <a:p>
             <a:fld id="{679BC7E7-EA8E-4DA7-915E-CC098D9BADCB}" type="datetimeFigureOut">
               <a:rPr lang="en-US" smtClean="0"/>
-              <a:t>4/5/19</a:t>
+              <a:t>4/7/19</a:t>
             </a:fld>
             <a:endParaRPr lang="en-US"/>
           </a:p>
@@ -4548,7 +4902,7 @@
           <a:p>
             <a:fld id="{679BC7E7-EA8E-4DA7-915E-CC098D9BADCB}" type="datetimeFigureOut">
               <a:rPr lang="en-US" smtClean="0"/>
-              <a:t>4/5/19</a:t>
+              <a:t>4/7/19</a:t>
             </a:fld>
             <a:endParaRPr lang="en-US"/>
           </a:p>
@@ -4812,7 +5166,7 @@
           <a:p>
             <a:fld id="{679BC7E7-EA8E-4DA7-915E-CC098D9BADCB}" type="datetimeFigureOut">
               <a:rPr lang="en-US" smtClean="0"/>
-              <a:t>4/5/19</a:t>
+              <a:t>4/7/19</a:t>
             </a:fld>
             <a:endParaRPr lang="en-US"/>
           </a:p>
@@ -5146,7 +5500,7 @@
           <a:p>
             <a:fld id="{679BC7E7-EA8E-4DA7-915E-CC098D9BADCB}" type="datetimeFigureOut">
               <a:rPr lang="en-US" smtClean="0"/>
-              <a:t>4/5/19</a:t>
+              <a:t>4/7/19</a:t>
             </a:fld>
             <a:endParaRPr lang="en-US"/>
           </a:p>
@@ -5587,7 +5941,7 @@
           <a:p>
             <a:fld id="{679BC7E7-EA8E-4DA7-915E-CC098D9BADCB}" type="datetimeFigureOut">
               <a:rPr lang="en-US" smtClean="0"/>
-              <a:t>4/5/19</a:t>
+              <a:t>4/7/19</a:t>
             </a:fld>
             <a:endParaRPr lang="en-US"/>
           </a:p>
@@ -5785,7 +6139,7 @@
           <a:p>
             <a:fld id="{679BC7E7-EA8E-4DA7-915E-CC098D9BADCB}" type="datetimeFigureOut">
               <a:rPr lang="en-US" smtClean="0"/>
-              <a:t>4/5/19</a:t>
+              <a:t>4/7/19</a:t>
             </a:fld>
             <a:endParaRPr lang="en-US"/>
           </a:p>
@@ -6068,7 +6422,7 @@
           <a:p>
             <a:fld id="{679BC7E7-EA8E-4DA7-915E-CC098D9BADCB}" type="datetimeFigureOut">
               <a:rPr lang="en-US" smtClean="0"/>
-              <a:t>4/5/19</a:t>
+              <a:t>4/7/19</a:t>
             </a:fld>
             <a:endParaRPr lang="en-US"/>
           </a:p>
@@ -6436,7 +6790,7 @@
           <a:p>
             <a:fld id="{679BC7E7-EA8E-4DA7-915E-CC098D9BADCB}" type="datetimeFigureOut">
               <a:rPr lang="en-US" smtClean="0"/>
-              <a:t>4/5/19</a:t>
+              <a:t>4/7/19</a:t>
             </a:fld>
             <a:endParaRPr lang="en-US"/>
           </a:p>
@@ -6932,7 +7286,7 @@
           <a:p>
             <a:fld id="{679BC7E7-EA8E-4DA7-915E-CC098D9BADCB}" type="datetimeFigureOut">
               <a:rPr lang="en-US" smtClean="0"/>
-              <a:t>4/5/19</a:t>
+              <a:t>4/7/19</a:t>
             </a:fld>
             <a:endParaRPr lang="en-US"/>
           </a:p>
@@ -7141,7 +7495,7 @@
           <a:p>
             <a:fld id="{679BC7E7-EA8E-4DA7-915E-CC098D9BADCB}" type="datetimeFigureOut">
               <a:rPr lang="en-US" smtClean="0"/>
-              <a:t>4/5/19</a:t>
+              <a:t>4/7/19</a:t>
             </a:fld>
             <a:endParaRPr lang="en-US"/>
           </a:p>
@@ -7654,7 +8008,7 @@
           <p:cNvPr id="4" name="Picture 2" descr="Image result for gmit logo">
             <a:extLst>
               <a:ext uri="{FF2B5EF4-FFF2-40B4-BE49-F238E27FC236}">
-                <a16:creationId xmlns:a16="http://schemas.microsoft.com/office/drawing/2014/main" xmlns="" id="{D835710D-1EF8-42EF-BB8D-5D1210EC1D46}"/>
+                <a16:creationId xmlns="" xmlns:a16="http://schemas.microsoft.com/office/drawing/2014/main" id="{D835710D-1EF8-42EF-BB8D-5D1210EC1D46}"/>
               </a:ext>
             </a:extLst>
           </p:cNvPr>
@@ -8172,7 +8526,7 @@
           <p:cNvPr id="8" name="TextBox 7">
             <a:extLst>
               <a:ext uri="{FF2B5EF4-FFF2-40B4-BE49-F238E27FC236}">
-                <a16:creationId xmlns:a16="http://schemas.microsoft.com/office/drawing/2014/main" xmlns="" id="{3A114B59-59F2-41FE-B868-041F8AD288F3}"/>
+                <a16:creationId xmlns="" xmlns:a16="http://schemas.microsoft.com/office/drawing/2014/main" id="{3A114B59-59F2-41FE-B868-041F8AD288F3}"/>
               </a:ext>
             </a:extLst>
           </p:cNvPr>
@@ -8212,7 +8566,7 @@
           <p:cNvPr id="10" name="Picture 9">
             <a:extLst>
               <a:ext uri="{FF2B5EF4-FFF2-40B4-BE49-F238E27FC236}">
-                <a16:creationId xmlns:a16="http://schemas.microsoft.com/office/drawing/2014/main" xmlns="" id="{65446555-FC8D-4C4B-BCA5-7EE4C859AFA1}"/>
+                <a16:creationId xmlns="" xmlns:a16="http://schemas.microsoft.com/office/drawing/2014/main" id="{65446555-FC8D-4C4B-BCA5-7EE4C859AFA1}"/>
               </a:ext>
             </a:extLst>
           </p:cNvPr>
@@ -8242,7 +8596,7 @@
           <p:cNvPr id="12" name="Picture 11">
             <a:extLst>
               <a:ext uri="{FF2B5EF4-FFF2-40B4-BE49-F238E27FC236}">
-                <a16:creationId xmlns:a16="http://schemas.microsoft.com/office/drawing/2014/main" xmlns="" id="{51B412C9-D1F0-4649-8D41-325DB1BBA372}"/>
+                <a16:creationId xmlns="" xmlns:a16="http://schemas.microsoft.com/office/drawing/2014/main" id="{51B412C9-D1F0-4649-8D41-325DB1BBA372}"/>
               </a:ext>
             </a:extLst>
           </p:cNvPr>
@@ -8493,6 +8847,14 @@
 <file path=ppt/slides/slide3.xml><?xml version="1.0" encoding="utf-8"?>
 <p:sld xmlns:a="http://schemas.openxmlformats.org/drawingml/2006/main" xmlns:r="http://schemas.openxmlformats.org/officeDocument/2006/relationships" xmlns:p="http://schemas.openxmlformats.org/presentationml/2006/main">
   <p:cSld>
+    <p:bg>
+      <p:bgPr>
+        <a:solidFill>
+          <a:schemeClr val="bg1"/>
+        </a:solidFill>
+        <a:effectLst/>
+      </p:bgPr>
+    </p:bg>
     <p:spTree>
       <p:nvGrpSpPr>
         <p:cNvPr id="1" name=""/>
@@ -8509,6 +8871,173 @@
       </p:grpSpPr>
       <p:sp>
         <p:nvSpPr>
+          <p:cNvPr id="8" name="TextBox 7">
+            <a:extLst>
+              <a:ext uri="{FF2B5EF4-FFF2-40B4-BE49-F238E27FC236}">
+                <a16:creationId xmlns="" xmlns:a16="http://schemas.microsoft.com/office/drawing/2014/main" id="{3A114B59-59F2-41FE-B868-041F8AD288F3}"/>
+              </a:ext>
+            </a:extLst>
+          </p:cNvPr>
+          <p:cNvSpPr txBox="1"/>
+          <p:nvPr/>
+        </p:nvSpPr>
+        <p:spPr>
+          <a:xfrm>
+            <a:off x="382774" y="6004067"/>
+            <a:ext cx="3627829" cy="461665"/>
+          </a:xfrm>
+          <a:prstGeom prst="rect">
+            <a:avLst/>
+          </a:prstGeom>
+          <a:noFill/>
+        </p:spPr>
+        <p:txBody>
+          <a:bodyPr wrap="square" rtlCol="0">
+            <a:spAutoFit/>
+          </a:bodyPr>
+          <a:lstStyle/>
+          <a:p>
+            <a:r>
+              <a:rPr lang="en" sz="2400" dirty="0" smtClean="0"/>
+              <a:t>Leap</a:t>
+            </a:r>
+            <a:r>
+              <a:rPr lang="en-IE" sz="2400" dirty="0" smtClean="0"/>
+              <a:t>Map</a:t>
+            </a:r>
+            <a:endParaRPr lang="en-IE" dirty="0"/>
+          </a:p>
+        </p:txBody>
+      </p:sp>
+      <p:pic>
+        <p:nvPicPr>
+          <p:cNvPr id="10" name="Picture 9">
+            <a:extLst>
+              <a:ext uri="{FF2B5EF4-FFF2-40B4-BE49-F238E27FC236}">
+                <a16:creationId xmlns="" xmlns:a16="http://schemas.microsoft.com/office/drawing/2014/main" id="{65446555-FC8D-4C4B-BCA5-7EE4C859AFA1}"/>
+              </a:ext>
+            </a:extLst>
+          </p:cNvPr>
+          <p:cNvPicPr>
+            <a:picLocks noChangeAspect="1"/>
+          </p:cNvPicPr>
+          <p:nvPr/>
+        </p:nvPicPr>
+        <p:blipFill>
+          <a:blip r:embed="rId2"/>
+          <a:stretch>
+            <a:fillRect/>
+          </a:stretch>
+        </p:blipFill>
+        <p:spPr>
+          <a:xfrm>
+            <a:off x="5270460" y="2435130"/>
+            <a:ext cx="3814634" cy="2137721"/>
+          </a:xfrm>
+          <a:prstGeom prst="rect">
+            <a:avLst/>
+          </a:prstGeom>
+        </p:spPr>
+      </p:pic>
+      <p:pic>
+        <p:nvPicPr>
+          <p:cNvPr id="12" name="Picture 11">
+            <a:extLst>
+              <a:ext uri="{FF2B5EF4-FFF2-40B4-BE49-F238E27FC236}">
+                <a16:creationId xmlns="" xmlns:a16="http://schemas.microsoft.com/office/drawing/2014/main" id="{51B412C9-D1F0-4649-8D41-325DB1BBA372}"/>
+              </a:ext>
+            </a:extLst>
+          </p:cNvPr>
+          <p:cNvPicPr>
+            <a:picLocks noChangeAspect="1"/>
+          </p:cNvPicPr>
+          <p:nvPr/>
+        </p:nvPicPr>
+        <p:blipFill>
+          <a:blip r:embed="rId3"/>
+          <a:stretch>
+            <a:fillRect/>
+          </a:stretch>
+        </p:blipFill>
+        <p:spPr>
+          <a:xfrm>
+            <a:off x="7591648" y="5255571"/>
+            <a:ext cx="1552353" cy="1602430"/>
+          </a:xfrm>
+          <a:prstGeom prst="rect">
+            <a:avLst/>
+          </a:prstGeom>
+        </p:spPr>
+      </p:pic>
+      <p:pic>
+        <p:nvPicPr>
+          <p:cNvPr id="3" name="Picture 2" descr="LeapMapScreenShot.png"/>
+          <p:cNvPicPr>
+            <a:picLocks noChangeAspect="1"/>
+          </p:cNvPicPr>
+          <p:nvPr/>
+        </p:nvPicPr>
+        <p:blipFill>
+          <a:blip r:embed="rId4" cstate="print">
+            <a:extLst>
+              <a:ext uri="{28A0092B-C50C-407E-A947-70E740481C1C}">
+                <a14:useLocalDpi xmlns:a14="http://schemas.microsoft.com/office/drawing/2010/main" val="0"/>
+              </a:ext>
+            </a:extLst>
+          </a:blip>
+          <a:stretch>
+            <a:fillRect/>
+          </a:stretch>
+        </p:blipFill>
+        <p:spPr>
+          <a:xfrm>
+            <a:off x="428626" y="2826611"/>
+            <a:ext cx="5216007" cy="3062974"/>
+          </a:xfrm>
+          <a:prstGeom prst="rect">
+            <a:avLst/>
+          </a:prstGeom>
+        </p:spPr>
+      </p:pic>
+    </p:spTree>
+    <p:extLst>
+      <p:ext uri="{BB962C8B-B14F-4D97-AF65-F5344CB8AC3E}">
+        <p14:creationId xmlns:p14="http://schemas.microsoft.com/office/powerpoint/2010/main" val="4179386053"/>
+      </p:ext>
+    </p:extLst>
+  </p:cSld>
+  <p:clrMapOvr>
+    <a:masterClrMapping/>
+  </p:clrMapOvr>
+  <p:timing>
+    <p:tnLst>
+      <p:par>
+        <p:cTn xmlns:p14="http://schemas.microsoft.com/office/powerpoint/2010/main" id="1" dur="indefinite" restart="never" nodeType="tmRoot"/>
+      </p:par>
+    </p:tnLst>
+  </p:timing>
+</p:sld>
+</file>
+
+<file path=ppt/slides/slide4.xml><?xml version="1.0" encoding="utf-8"?>
+<p:sld xmlns:a="http://schemas.openxmlformats.org/drawingml/2006/main" xmlns:r="http://schemas.openxmlformats.org/officeDocument/2006/relationships" xmlns:p="http://schemas.openxmlformats.org/presentationml/2006/main">
+  <p:cSld>
+    <p:spTree>
+      <p:nvGrpSpPr>
+        <p:cNvPr id="1" name=""/>
+        <p:cNvGrpSpPr/>
+        <p:nvPr/>
+      </p:nvGrpSpPr>
+      <p:grpSpPr>
+        <a:xfrm>
+          <a:off x="0" y="0"/>
+          <a:ext cx="0" cy="0"/>
+          <a:chOff x="0" y="0"/>
+          <a:chExt cx="0" cy="0"/>
+        </a:xfrm>
+      </p:grpSpPr>
+      <p:sp>
+        <p:nvSpPr>
           <p:cNvPr id="2" name="Title 1"/>
           <p:cNvSpPr>
             <a:spLocks noGrp="1"/>
@@ -8574,7 +9103,7 @@
 </p:sld>
 </file>
 
-<file path=ppt/slides/slide4.xml><?xml version="1.0" encoding="utf-8"?>
+<file path=ppt/slides/slide5.xml><?xml version="1.0" encoding="utf-8"?>
 <p:sld xmlns:a="http://schemas.openxmlformats.org/drawingml/2006/main" xmlns:r="http://schemas.openxmlformats.org/officeDocument/2006/relationships" xmlns:p="http://schemas.openxmlformats.org/presentationml/2006/main">
   <p:cSld>
     <p:spTree>
@@ -8596,7 +9125,7 @@
           <p:cNvPr id="1030" name="Picture 6" descr="Image result for laptop">
             <a:extLst>
               <a:ext uri="{FF2B5EF4-FFF2-40B4-BE49-F238E27FC236}">
-                <a16:creationId xmlns:a16="http://schemas.microsoft.com/office/drawing/2014/main" xmlns="" id="{466E0F90-5E99-4D4E-A5AC-3CEE644703BF}"/>
+                <a16:creationId xmlns="" xmlns:a16="http://schemas.microsoft.com/office/drawing/2014/main" id="{466E0F90-5E99-4D4E-A5AC-3CEE644703BF}"/>
               </a:ext>
             </a:extLst>
           </p:cNvPr>
@@ -8733,7 +9262,7 @@
           <p:cNvPr id="22" name="Rectangle: Rounded Corners 39">
             <a:extLst>
               <a:ext uri="{FF2B5EF4-FFF2-40B4-BE49-F238E27FC236}">
-                <a16:creationId xmlns:a16="http://schemas.microsoft.com/office/drawing/2014/main" xmlns="" id="{B246B760-9077-408A-AA0C-FD59A78E4B1C}"/>
+                <a16:creationId xmlns="" xmlns:a16="http://schemas.microsoft.com/office/drawing/2014/main" id="{B246B760-9077-408A-AA0C-FD59A78E4B1C}"/>
               </a:ext>
             </a:extLst>
           </p:cNvPr>
@@ -8962,7 +9491,7 @@
           <p:cNvPr id="23" name="Rectangle: Rounded Corners 8">
             <a:extLst>
               <a:ext uri="{FF2B5EF4-FFF2-40B4-BE49-F238E27FC236}">
-                <a16:creationId xmlns:a16="http://schemas.microsoft.com/office/drawing/2014/main" xmlns="" id="{019CB8FD-79DB-46C2-A07F-C7C74420020B}"/>
+                <a16:creationId xmlns="" xmlns:a16="http://schemas.microsoft.com/office/drawing/2014/main" id="{019CB8FD-79DB-46C2-A07F-C7C74420020B}"/>
               </a:ext>
             </a:extLst>
           </p:cNvPr>
@@ -9178,7 +9707,7 @@
           <p:cNvPr id="38" name="TextBox 9">
             <a:extLst>
               <a:ext uri="{FF2B5EF4-FFF2-40B4-BE49-F238E27FC236}">
-                <a16:creationId xmlns:a16="http://schemas.microsoft.com/office/drawing/2014/main" xmlns="" id="{36A10776-B939-4F63-9ACA-66E622DBBBCC}"/>
+                <a16:creationId xmlns="" xmlns:a16="http://schemas.microsoft.com/office/drawing/2014/main" id="{36A10776-B939-4F63-9ACA-66E622DBBBCC}"/>
               </a:ext>
             </a:extLst>
           </p:cNvPr>
@@ -9241,7 +9770,7 @@
           <p:cNvPr id="45" name="TextBox 41">
             <a:extLst>
               <a:ext uri="{FF2B5EF4-FFF2-40B4-BE49-F238E27FC236}">
-                <a16:creationId xmlns:a16="http://schemas.microsoft.com/office/drawing/2014/main" xmlns="" id="{CAF5D70D-9081-4D11-95AF-7D7BB49AD8E5}"/>
+                <a16:creationId xmlns="" xmlns:a16="http://schemas.microsoft.com/office/drawing/2014/main" id="{CAF5D70D-9081-4D11-95AF-7D7BB49AD8E5}"/>
               </a:ext>
             </a:extLst>
           </p:cNvPr>
@@ -9318,7 +9847,7 @@
             <p:cNvPr id="14" name="Group 68">
               <a:extLst>
                 <a:ext uri="{FF2B5EF4-FFF2-40B4-BE49-F238E27FC236}">
-                  <a16:creationId xmlns:a16="http://schemas.microsoft.com/office/drawing/2014/main" xmlns="" id="{41F348B1-4699-4203-A145-49E5ED344FC9}"/>
+                  <a16:creationId xmlns="" xmlns:a16="http://schemas.microsoft.com/office/drawing/2014/main" id="{41F348B1-4699-4203-A145-49E5ED344FC9}"/>
                 </a:ext>
               </a:extLst>
             </p:cNvPr>
@@ -9343,7 +9872,7 @@
               <p:cNvPr id="15" name="Rectangle: Rounded Corners 8">
                 <a:extLst>
                   <a:ext uri="{FF2B5EF4-FFF2-40B4-BE49-F238E27FC236}">
-                    <a16:creationId xmlns:a16="http://schemas.microsoft.com/office/drawing/2014/main" xmlns="" id="{A64AFB0D-72A4-4581-AADD-F7A0DA2E2B23}"/>
+                    <a16:creationId xmlns="" xmlns:a16="http://schemas.microsoft.com/office/drawing/2014/main" id="{A64AFB0D-72A4-4581-AADD-F7A0DA2E2B23}"/>
                   </a:ext>
                 </a:extLst>
               </p:cNvPr>
@@ -9556,7 +10085,7 @@
               <p:cNvPr id="16" name="Rectangle 64">
                 <a:extLst>
                   <a:ext uri="{FF2B5EF4-FFF2-40B4-BE49-F238E27FC236}">
-                    <a16:creationId xmlns:a16="http://schemas.microsoft.com/office/drawing/2014/main" xmlns="" id="{81D20EB6-DF6F-4BAE-ABDB-F0F126825F76}"/>
+                    <a16:creationId xmlns="" xmlns:a16="http://schemas.microsoft.com/office/drawing/2014/main" id="{81D20EB6-DF6F-4BAE-ABDB-F0F126825F76}"/>
                   </a:ext>
                 </a:extLst>
               </p:cNvPr>
@@ -9617,7 +10146,7 @@
               <p:cNvPr id="17" name="Rectangle 98">
                 <a:extLst>
                   <a:ext uri="{FF2B5EF4-FFF2-40B4-BE49-F238E27FC236}">
-                    <a16:creationId xmlns:a16="http://schemas.microsoft.com/office/drawing/2014/main" xmlns="" id="{EAEDF8E8-8953-49B2-A42E-2CFC9FE8946D}"/>
+                    <a16:creationId xmlns="" xmlns:a16="http://schemas.microsoft.com/office/drawing/2014/main" id="{EAEDF8E8-8953-49B2-A42E-2CFC9FE8946D}"/>
                   </a:ext>
                 </a:extLst>
               </p:cNvPr>
@@ -9678,7 +10207,7 @@
               <p:cNvPr id="18" name="Rectangle 99">
                 <a:extLst>
                   <a:ext uri="{FF2B5EF4-FFF2-40B4-BE49-F238E27FC236}">
-                    <a16:creationId xmlns:a16="http://schemas.microsoft.com/office/drawing/2014/main" xmlns="" id="{C5851F52-94CA-402E-8E84-0885ED65F7B7}"/>
+                    <a16:creationId xmlns="" xmlns:a16="http://schemas.microsoft.com/office/drawing/2014/main" id="{C5851F52-94CA-402E-8E84-0885ED65F7B7}"/>
                   </a:ext>
                 </a:extLst>
               </p:cNvPr>
@@ -9739,7 +10268,7 @@
               <p:cNvPr id="19" name="Rectangle 100">
                 <a:extLst>
                   <a:ext uri="{FF2B5EF4-FFF2-40B4-BE49-F238E27FC236}">
-                    <a16:creationId xmlns:a16="http://schemas.microsoft.com/office/drawing/2014/main" xmlns="" id="{0F674539-B10E-4C90-8E2D-5A8B7EF8A598}"/>
+                    <a16:creationId xmlns="" xmlns:a16="http://schemas.microsoft.com/office/drawing/2014/main" id="{0F674539-B10E-4C90-8E2D-5A8B7EF8A598}"/>
                   </a:ext>
                 </a:extLst>
               </p:cNvPr>
@@ -9801,7 +10330,7 @@
             <p:cNvPr id="4" name="Picture 2" descr="Image result for JavaScript">
               <a:extLst>
                 <a:ext uri="{FF2B5EF4-FFF2-40B4-BE49-F238E27FC236}">
-                  <a16:creationId xmlns:a16="http://schemas.microsoft.com/office/drawing/2014/main" xmlns="" id="{0C24661B-A36F-4281-B28A-FA15486D6E7F}"/>
+                  <a16:creationId xmlns="" xmlns:a16="http://schemas.microsoft.com/office/drawing/2014/main" id="{0C24661B-A36F-4281-B28A-FA15486D6E7F}"/>
                 </a:ext>
               </a:extLst>
             </p:cNvPr>
@@ -9848,7 +10377,7 @@
             <p:cNvPr id="1028" name="Picture 4" descr="Image result for bootstrap logo">
               <a:extLst>
                 <a:ext uri="{FF2B5EF4-FFF2-40B4-BE49-F238E27FC236}">
-                  <a16:creationId xmlns:a16="http://schemas.microsoft.com/office/drawing/2014/main" xmlns="" id="{DB8905E4-180E-492E-B118-2213F6ED5800}"/>
+                  <a16:creationId xmlns="" xmlns:a16="http://schemas.microsoft.com/office/drawing/2014/main" id="{DB8905E4-180E-492E-B118-2213F6ED5800}"/>
                 </a:ext>
               </a:extLst>
             </p:cNvPr>
@@ -9896,7 +10425,7 @@
           <p:cNvPr id="6" name="Picture 5">
             <a:extLst>
               <a:ext uri="{FF2B5EF4-FFF2-40B4-BE49-F238E27FC236}">
-                <a16:creationId xmlns:a16="http://schemas.microsoft.com/office/drawing/2014/main" xmlns="" id="{4EC9681A-23EF-453A-8B28-6E51BA52B896}"/>
+                <a16:creationId xmlns="" xmlns:a16="http://schemas.microsoft.com/office/drawing/2014/main" id="{4EC9681A-23EF-453A-8B28-6E51BA52B896}"/>
               </a:ext>
             </a:extLst>
           </p:cNvPr>
@@ -9926,7 +10455,7 @@
           <p:cNvPr id="7" name="TextBox 6">
             <a:extLst>
               <a:ext uri="{FF2B5EF4-FFF2-40B4-BE49-F238E27FC236}">
-                <a16:creationId xmlns:a16="http://schemas.microsoft.com/office/drawing/2014/main" xmlns="" id="{161A5955-22A7-470A-9B73-25BF9499B981}"/>
+                <a16:creationId xmlns="" xmlns:a16="http://schemas.microsoft.com/office/drawing/2014/main" id="{161A5955-22A7-470A-9B73-25BF9499B981}"/>
               </a:ext>
             </a:extLst>
           </p:cNvPr>
@@ -9987,7 +10516,7 @@
           <p:cNvPr id="10" name="Connector: Elbow 9">
             <a:extLst>
               <a:ext uri="{FF2B5EF4-FFF2-40B4-BE49-F238E27FC236}">
-                <a16:creationId xmlns:a16="http://schemas.microsoft.com/office/drawing/2014/main" xmlns="" id="{8F0B1074-0EFA-4A39-8D39-158E65CBFF1A}"/>
+                <a16:creationId xmlns="" xmlns:a16="http://schemas.microsoft.com/office/drawing/2014/main" id="{8F0B1074-0EFA-4A39-8D39-158E65CBFF1A}"/>
               </a:ext>
             </a:extLst>
           </p:cNvPr>
@@ -10028,7 +10557,7 @@
           <p:cNvPr id="42" name="Connector: Elbow 41">
             <a:extLst>
               <a:ext uri="{FF2B5EF4-FFF2-40B4-BE49-F238E27FC236}">
-                <a16:creationId xmlns:a16="http://schemas.microsoft.com/office/drawing/2014/main" xmlns="" id="{D7DC2776-B3D8-4B4D-95ED-03FF768FFCE9}"/>
+                <a16:creationId xmlns="" xmlns:a16="http://schemas.microsoft.com/office/drawing/2014/main" id="{D7DC2776-B3D8-4B4D-95ED-03FF768FFCE9}"/>
               </a:ext>
             </a:extLst>
           </p:cNvPr>
@@ -10074,7 +10603,7 @@
           <p:cNvPr id="29" name="Picture 28">
             <a:extLst>
               <a:ext uri="{FF2B5EF4-FFF2-40B4-BE49-F238E27FC236}">
-                <a16:creationId xmlns:a16="http://schemas.microsoft.com/office/drawing/2014/main" xmlns="" id="{E96B0D33-316F-4258-8397-5AF43EA4FB0F}"/>
+                <a16:creationId xmlns="" xmlns:a16="http://schemas.microsoft.com/office/drawing/2014/main" id="{E96B0D33-316F-4258-8397-5AF43EA4FB0F}"/>
               </a:ext>
             </a:extLst>
           </p:cNvPr>
@@ -10194,7 +10723,7 @@
           <p:cNvPr id="28" name="TextBox 9">
             <a:extLst>
               <a:ext uri="{FF2B5EF4-FFF2-40B4-BE49-F238E27FC236}">
-                <a16:creationId xmlns:a16="http://schemas.microsoft.com/office/drawing/2014/main" xmlns="" id="{36A10776-B939-4F63-9ACA-66E622DBBBCC}"/>
+                <a16:creationId xmlns="" xmlns:a16="http://schemas.microsoft.com/office/drawing/2014/main" id="{36A10776-B939-4F63-9ACA-66E622DBBBCC}"/>
               </a:ext>
             </a:extLst>
           </p:cNvPr>
@@ -10267,7 +10796,7 @@
 </p:sld>
 </file>
 
-<file path=ppt/slides/slide5.xml><?xml version="1.0" encoding="utf-8"?>
+<file path=ppt/slides/slide6.xml><?xml version="1.0" encoding="utf-8"?>
 <p:sld xmlns:a="http://schemas.openxmlformats.org/drawingml/2006/main" xmlns:r="http://schemas.openxmlformats.org/officeDocument/2006/relationships" xmlns:p="http://schemas.openxmlformats.org/presentationml/2006/main">
   <p:cSld>
     <p:spTree>
@@ -10325,7 +10854,7 @@
           <p:cNvPr id="5" name="TextBox 4">
             <a:extLst>
               <a:ext uri="{FF2B5EF4-FFF2-40B4-BE49-F238E27FC236}">
-                <a16:creationId xmlns:a16="http://schemas.microsoft.com/office/drawing/2014/main" xmlns="" id="{EE915AE7-FA9D-47F8-AB5C-07439A60AACE}"/>
+                <a16:creationId xmlns="" xmlns:a16="http://schemas.microsoft.com/office/drawing/2014/main" id="{EE915AE7-FA9D-47F8-AB5C-07439A60AACE}"/>
               </a:ext>
             </a:extLst>
           </p:cNvPr>
@@ -10365,7 +10894,7 @@
           <p:cNvPr id="35" name="TextBox 34">
             <a:extLst>
               <a:ext uri="{FF2B5EF4-FFF2-40B4-BE49-F238E27FC236}">
-                <a16:creationId xmlns:a16="http://schemas.microsoft.com/office/drawing/2014/main" xmlns="" id="{22E588E8-83B2-42E8-B67C-FE3B12F00BE3}"/>
+                <a16:creationId xmlns="" xmlns:a16="http://schemas.microsoft.com/office/drawing/2014/main" id="{22E588E8-83B2-42E8-B67C-FE3B12F00BE3}"/>
               </a:ext>
             </a:extLst>
           </p:cNvPr>
@@ -10416,7 +10945,7 @@
           <p:cNvPr id="37" name="TextBox 36">
             <a:extLst>
               <a:ext uri="{FF2B5EF4-FFF2-40B4-BE49-F238E27FC236}">
-                <a16:creationId xmlns:a16="http://schemas.microsoft.com/office/drawing/2014/main" xmlns="" id="{4027B522-E6D7-48EE-9D4E-32C2AE2483AA}"/>
+                <a16:creationId xmlns="" xmlns:a16="http://schemas.microsoft.com/office/drawing/2014/main" id="{4027B522-E6D7-48EE-9D4E-32C2AE2483AA}"/>
               </a:ext>
             </a:extLst>
           </p:cNvPr>
@@ -10500,7 +11029,7 @@
           <p:cNvPr id="25" name="Picture 24">
             <a:extLst>
               <a:ext uri="{FF2B5EF4-FFF2-40B4-BE49-F238E27FC236}">
-                <a16:creationId xmlns:a16="http://schemas.microsoft.com/office/drawing/2014/main" xmlns="" id="{A239785A-79AC-42E2-988C-F17D7B788FA9}"/>
+                <a16:creationId xmlns="" xmlns:a16="http://schemas.microsoft.com/office/drawing/2014/main" id="{A239785A-79AC-42E2-988C-F17D7B788FA9}"/>
               </a:ext>
             </a:extLst>
           </p:cNvPr>
@@ -10530,7 +11059,7 @@
           <p:cNvPr id="40" name="Picture 39">
             <a:extLst>
               <a:ext uri="{FF2B5EF4-FFF2-40B4-BE49-F238E27FC236}">
-                <a16:creationId xmlns:a16="http://schemas.microsoft.com/office/drawing/2014/main" xmlns="" id="{F032FC17-0A32-4F5C-9210-782E00433567}"/>
+                <a16:creationId xmlns="" xmlns:a16="http://schemas.microsoft.com/office/drawing/2014/main" id="{F032FC17-0A32-4F5C-9210-782E00433567}"/>
               </a:ext>
             </a:extLst>
           </p:cNvPr>
@@ -10560,7 +11089,7 @@
           <p:cNvPr id="26" name="Picture 25">
             <a:extLst>
               <a:ext uri="{FF2B5EF4-FFF2-40B4-BE49-F238E27FC236}">
-                <a16:creationId xmlns:a16="http://schemas.microsoft.com/office/drawing/2014/main" xmlns="" id="{BDF110B9-4C02-437B-B565-1B4A588187EB}"/>
+                <a16:creationId xmlns="" xmlns:a16="http://schemas.microsoft.com/office/drawing/2014/main" id="{BDF110B9-4C02-437B-B565-1B4A588187EB}"/>
               </a:ext>
             </a:extLst>
           </p:cNvPr>
@@ -10590,7 +11119,7 @@
           <p:cNvPr id="29" name="Picture 28">
             <a:extLst>
               <a:ext uri="{FF2B5EF4-FFF2-40B4-BE49-F238E27FC236}">
-                <a16:creationId xmlns:a16="http://schemas.microsoft.com/office/drawing/2014/main" xmlns="" id="{3E2C36E2-CF81-4C73-AC01-7A329166EBCD}"/>
+                <a16:creationId xmlns="" xmlns:a16="http://schemas.microsoft.com/office/drawing/2014/main" id="{3E2C36E2-CF81-4C73-AC01-7A329166EBCD}"/>
               </a:ext>
             </a:extLst>
           </p:cNvPr>
@@ -10740,7 +11269,7 @@
           <p:cNvPr id="38" name="Picture 37">
             <a:extLst>
               <a:ext uri="{FF2B5EF4-FFF2-40B4-BE49-F238E27FC236}">
-                <a16:creationId xmlns:a16="http://schemas.microsoft.com/office/drawing/2014/main" xmlns="" id="{A239785A-79AC-42E2-988C-F17D7B788FA9}"/>
+                <a16:creationId xmlns="" xmlns:a16="http://schemas.microsoft.com/office/drawing/2014/main" id="{A239785A-79AC-42E2-988C-F17D7B788FA9}"/>
               </a:ext>
             </a:extLst>
           </p:cNvPr>
@@ -10770,7 +11299,7 @@
           <p:cNvPr id="39" name="Picture 38">
             <a:extLst>
               <a:ext uri="{FF2B5EF4-FFF2-40B4-BE49-F238E27FC236}">
-                <a16:creationId xmlns:a16="http://schemas.microsoft.com/office/drawing/2014/main" xmlns="" id="{A239785A-79AC-42E2-988C-F17D7B788FA9}"/>
+                <a16:creationId xmlns="" xmlns:a16="http://schemas.microsoft.com/office/drawing/2014/main" id="{A239785A-79AC-42E2-988C-F17D7B788FA9}"/>
               </a:ext>
             </a:extLst>
           </p:cNvPr>
@@ -10800,7 +11329,7 @@
           <p:cNvPr id="41" name="TextBox 40">
             <a:extLst>
               <a:ext uri="{FF2B5EF4-FFF2-40B4-BE49-F238E27FC236}">
-                <a16:creationId xmlns:a16="http://schemas.microsoft.com/office/drawing/2014/main" xmlns="" id="{4027B522-E6D7-48EE-9D4E-32C2AE2483AA}"/>
+                <a16:creationId xmlns="" xmlns:a16="http://schemas.microsoft.com/office/drawing/2014/main" id="{4027B522-E6D7-48EE-9D4E-32C2AE2483AA}"/>
               </a:ext>
             </a:extLst>
           </p:cNvPr>
@@ -10844,7 +11373,7 @@
 </p:sld>
 </file>
 
-<file path=ppt/slides/slide6.xml><?xml version="1.0" encoding="utf-8"?>
+<file path=ppt/slides/slide7.xml><?xml version="1.0" encoding="utf-8"?>
 <p:sld xmlns:a="http://schemas.openxmlformats.org/drawingml/2006/main" xmlns:r="http://schemas.openxmlformats.org/officeDocument/2006/relationships" xmlns:p="http://schemas.openxmlformats.org/presentationml/2006/main">
   <p:cSld>
     <p:spTree>
@@ -10967,7 +11496,7 @@
 </p:sld>
 </file>
 
-<file path=ppt/slides/slide7.xml><?xml version="1.0" encoding="utf-8"?>
+<file path=ppt/slides/slide8.xml><?xml version="1.0" encoding="utf-8"?>
 <p:sld xmlns:a="http://schemas.openxmlformats.org/drawingml/2006/main" xmlns:r="http://schemas.openxmlformats.org/officeDocument/2006/relationships" xmlns:p="http://schemas.openxmlformats.org/presentationml/2006/main">
   <p:cSld>
     <p:spTree>
@@ -11123,7 +11652,7 @@
 </p:sld>
 </file>
 
-<file path=ppt/slides/slide8.xml><?xml version="1.0" encoding="utf-8"?>
+<file path=ppt/slides/slide9.xml><?xml version="1.0" encoding="utf-8"?>
 <p:sld xmlns:a="http://schemas.openxmlformats.org/drawingml/2006/main" xmlns:r="http://schemas.openxmlformats.org/officeDocument/2006/relationships" xmlns:p="http://schemas.openxmlformats.org/presentationml/2006/main">
   <p:cSld>
     <p:spTree>
@@ -11466,4 +11995,324 @@
   </a:objectDefaults>
   <a:extraClrSchemeLst/>
 </a:theme>
+</file>
+
+<file path=ppt/theme/theme2.xml><?xml version="1.0" encoding="utf-8"?>
+<a:theme xmlns:a="http://schemas.openxmlformats.org/drawingml/2006/main" name="Office Theme">
+  <a:themeElements>
+    <a:clrScheme name="Office">
+      <a:dk1>
+        <a:sysClr val="windowText" lastClr="000000"/>
+      </a:dk1>
+      <a:lt1>
+        <a:sysClr val="window" lastClr="FFFFFF"/>
+      </a:lt1>
+      <a:dk2>
+        <a:srgbClr val="1F497D"/>
+      </a:dk2>
+      <a:lt2>
+        <a:srgbClr val="EEECE1"/>
+      </a:lt2>
+      <a:accent1>
+        <a:srgbClr val="4F81BD"/>
+      </a:accent1>
+      <a:accent2>
+        <a:srgbClr val="C0504D"/>
+      </a:accent2>
+      <a:accent3>
+        <a:srgbClr val="9BBB59"/>
+      </a:accent3>
+      <a:accent4>
+        <a:srgbClr val="8064A2"/>
+      </a:accent4>
+      <a:accent5>
+        <a:srgbClr val="4BACC6"/>
+      </a:accent5>
+      <a:accent6>
+        <a:srgbClr val="F79646"/>
+      </a:accent6>
+      <a:hlink>
+        <a:srgbClr val="0000FF"/>
+      </a:hlink>
+      <a:folHlink>
+        <a:srgbClr val="800080"/>
+      </a:folHlink>
+    </a:clrScheme>
+    <a:fontScheme name="Office">
+      <a:majorFont>
+        <a:latin typeface="Calibri"/>
+        <a:ea typeface=""/>
+        <a:cs typeface=""/>
+        <a:font script="Jpan" typeface="ＭＳ Ｐゴシック"/>
+        <a:font script="Hang" typeface="맑은 고딕"/>
+        <a:font script="Hans" typeface="宋体"/>
+        <a:font script="Hant" typeface="新細明體"/>
+        <a:font script="Arab" typeface="Times New Roman"/>
+        <a:font script="Hebr" typeface="Times New Roman"/>
+        <a:font script="Thai" typeface="Angsana New"/>
+        <a:font script="Ethi" typeface="Nyala"/>
+        <a:font script="Beng" typeface="Vrinda"/>
+        <a:font script="Gujr" typeface="Shruti"/>
+        <a:font script="Khmr" typeface="MoolBoran"/>
+        <a:font script="Knda" typeface="Tunga"/>
+        <a:font script="Guru" typeface="Raavi"/>
+        <a:font script="Cans" typeface="Euphemia"/>
+        <a:font script="Cher" typeface="Plantagenet Cherokee"/>
+        <a:font script="Yiii" typeface="Microsoft Yi Baiti"/>
+        <a:font script="Tibt" typeface="Microsoft Himalaya"/>
+        <a:font script="Thaa" typeface="MV Boli"/>
+        <a:font script="Deva" typeface="Mangal"/>
+        <a:font script="Telu" typeface="Gautami"/>
+        <a:font script="Taml" typeface="Latha"/>
+        <a:font script="Syrc" typeface="Estrangelo Edessa"/>
+        <a:font script="Orya" typeface="Kalinga"/>
+        <a:font script="Mlym" typeface="Kartika"/>
+        <a:font script="Laoo" typeface="DokChampa"/>
+        <a:font script="Sinh" typeface="Iskoola Pota"/>
+        <a:font script="Mong" typeface="Mongolian Baiti"/>
+        <a:font script="Viet" typeface="Times New Roman"/>
+        <a:font script="Uigh" typeface="Microsoft Uighur"/>
+        <a:font script="Geor" typeface="Sylfaen"/>
+      </a:majorFont>
+      <a:minorFont>
+        <a:latin typeface="Calibri"/>
+        <a:ea typeface=""/>
+        <a:cs typeface=""/>
+        <a:font script="Jpan" typeface="ＭＳ Ｐゴシック"/>
+        <a:font script="Hang" typeface="맑은 고딕"/>
+        <a:font script="Hans" typeface="宋体"/>
+        <a:font script="Hant" typeface="新細明體"/>
+        <a:font script="Arab" typeface="Arial"/>
+        <a:font script="Hebr" typeface="Arial"/>
+        <a:font script="Thai" typeface="Cordia New"/>
+        <a:font script="Ethi" typeface="Nyala"/>
+        <a:font script="Beng" typeface="Vrinda"/>
+        <a:font script="Gujr" typeface="Shruti"/>
+        <a:font script="Khmr" typeface="DaunPenh"/>
+        <a:font script="Knda" typeface="Tunga"/>
+        <a:font script="Guru" typeface="Raavi"/>
+        <a:font script="Cans" typeface="Euphemia"/>
+        <a:font script="Cher" typeface="Plantagenet Cherokee"/>
+        <a:font script="Yiii" typeface="Microsoft Yi Baiti"/>
+        <a:font script="Tibt" typeface="Microsoft Himalaya"/>
+        <a:font script="Thaa" typeface="MV Boli"/>
+        <a:font script="Deva" typeface="Mangal"/>
+        <a:font script="Telu" typeface="Gautami"/>
+        <a:font script="Taml" typeface="Latha"/>
+        <a:font script="Syrc" typeface="Estrangelo Edessa"/>
+        <a:font script="Orya" typeface="Kalinga"/>
+        <a:font script="Mlym" typeface="Kartika"/>
+        <a:font script="Laoo" typeface="DokChampa"/>
+        <a:font script="Sinh" typeface="Iskoola Pota"/>
+        <a:font script="Mong" typeface="Mongolian Baiti"/>
+        <a:font script="Viet" typeface="Arial"/>
+        <a:font script="Uigh" typeface="Microsoft Uighur"/>
+        <a:font script="Geor" typeface="Sylfaen"/>
+      </a:minorFont>
+    </a:fontScheme>
+    <a:fmtScheme name="Office">
+      <a:fillStyleLst>
+        <a:solidFill>
+          <a:schemeClr val="phClr"/>
+        </a:solidFill>
+        <a:gradFill rotWithShape="1">
+          <a:gsLst>
+            <a:gs pos="0">
+              <a:schemeClr val="phClr">
+                <a:tint val="50000"/>
+                <a:satMod val="300000"/>
+              </a:schemeClr>
+            </a:gs>
+            <a:gs pos="35000">
+              <a:schemeClr val="phClr">
+                <a:tint val="37000"/>
+                <a:satMod val="300000"/>
+              </a:schemeClr>
+            </a:gs>
+            <a:gs pos="100000">
+              <a:schemeClr val="phClr">
+                <a:tint val="15000"/>
+                <a:satMod val="350000"/>
+              </a:schemeClr>
+            </a:gs>
+          </a:gsLst>
+          <a:lin ang="16200000" scaled="1"/>
+        </a:gradFill>
+        <a:gradFill rotWithShape="1">
+          <a:gsLst>
+            <a:gs pos="0">
+              <a:schemeClr val="phClr">
+                <a:tint val="100000"/>
+                <a:shade val="100000"/>
+                <a:satMod val="130000"/>
+              </a:schemeClr>
+            </a:gs>
+            <a:gs pos="100000">
+              <a:schemeClr val="phClr">
+                <a:tint val="50000"/>
+                <a:shade val="100000"/>
+                <a:satMod val="350000"/>
+              </a:schemeClr>
+            </a:gs>
+          </a:gsLst>
+          <a:lin ang="16200000" scaled="0"/>
+        </a:gradFill>
+      </a:fillStyleLst>
+      <a:lnStyleLst>
+        <a:ln w="9525" cap="flat" cmpd="sng" algn="ctr">
+          <a:solidFill>
+            <a:schemeClr val="phClr">
+              <a:shade val="95000"/>
+              <a:satMod val="105000"/>
+            </a:schemeClr>
+          </a:solidFill>
+          <a:prstDash val="solid"/>
+        </a:ln>
+        <a:ln w="25400" cap="flat" cmpd="sng" algn="ctr">
+          <a:solidFill>
+            <a:schemeClr val="phClr"/>
+          </a:solidFill>
+          <a:prstDash val="solid"/>
+        </a:ln>
+        <a:ln w="38100" cap="flat" cmpd="sng" algn="ctr">
+          <a:solidFill>
+            <a:schemeClr val="phClr"/>
+          </a:solidFill>
+          <a:prstDash val="solid"/>
+        </a:ln>
+      </a:lnStyleLst>
+      <a:effectStyleLst>
+        <a:effectStyle>
+          <a:effectLst>
+            <a:outerShdw blurRad="40000" dist="20000" dir="5400000" rotWithShape="0">
+              <a:srgbClr val="000000">
+                <a:alpha val="38000"/>
+              </a:srgbClr>
+            </a:outerShdw>
+          </a:effectLst>
+        </a:effectStyle>
+        <a:effectStyle>
+          <a:effectLst>
+            <a:outerShdw blurRad="40000" dist="23000" dir="5400000" rotWithShape="0">
+              <a:srgbClr val="000000">
+                <a:alpha val="35000"/>
+              </a:srgbClr>
+            </a:outerShdw>
+          </a:effectLst>
+        </a:effectStyle>
+        <a:effectStyle>
+          <a:effectLst>
+            <a:outerShdw blurRad="40000" dist="23000" dir="5400000" rotWithShape="0">
+              <a:srgbClr val="000000">
+                <a:alpha val="35000"/>
+              </a:srgbClr>
+            </a:outerShdw>
+          </a:effectLst>
+          <a:scene3d>
+            <a:camera prst="orthographicFront">
+              <a:rot lat="0" lon="0" rev="0"/>
+            </a:camera>
+            <a:lightRig rig="threePt" dir="t">
+              <a:rot lat="0" lon="0" rev="1200000"/>
+            </a:lightRig>
+          </a:scene3d>
+          <a:sp3d>
+            <a:bevelT w="63500" h="25400"/>
+          </a:sp3d>
+        </a:effectStyle>
+      </a:effectStyleLst>
+      <a:bgFillStyleLst>
+        <a:solidFill>
+          <a:schemeClr val="phClr"/>
+        </a:solidFill>
+        <a:gradFill rotWithShape="1">
+          <a:gsLst>
+            <a:gs pos="0">
+              <a:schemeClr val="phClr">
+                <a:tint val="40000"/>
+                <a:satMod val="350000"/>
+              </a:schemeClr>
+            </a:gs>
+            <a:gs pos="40000">
+              <a:schemeClr val="phClr">
+                <a:tint val="45000"/>
+                <a:shade val="99000"/>
+                <a:satMod val="350000"/>
+              </a:schemeClr>
+            </a:gs>
+            <a:gs pos="100000">
+              <a:schemeClr val="phClr">
+                <a:shade val="20000"/>
+                <a:satMod val="255000"/>
+              </a:schemeClr>
+            </a:gs>
+          </a:gsLst>
+          <a:path path="circle">
+            <a:fillToRect l="50000" t="-80000" r="50000" b="180000"/>
+          </a:path>
+        </a:gradFill>
+        <a:gradFill rotWithShape="1">
+          <a:gsLst>
+            <a:gs pos="0">
+              <a:schemeClr val="phClr">
+                <a:tint val="80000"/>
+                <a:satMod val="300000"/>
+              </a:schemeClr>
+            </a:gs>
+            <a:gs pos="100000">
+              <a:schemeClr val="phClr">
+                <a:shade val="30000"/>
+                <a:satMod val="200000"/>
+              </a:schemeClr>
+            </a:gs>
+          </a:gsLst>
+          <a:path path="circle">
+            <a:fillToRect l="50000" t="50000" r="50000" b="50000"/>
+          </a:path>
+        </a:gradFill>
+      </a:bgFillStyleLst>
+    </a:fmtScheme>
+  </a:themeElements>
+  <a:objectDefaults>
+    <a:spDef>
+      <a:spPr/>
+      <a:bodyPr/>
+      <a:lstStyle/>
+      <a:style>
+        <a:lnRef idx="1">
+          <a:schemeClr val="accent1"/>
+        </a:lnRef>
+        <a:fillRef idx="3">
+          <a:schemeClr val="accent1"/>
+        </a:fillRef>
+        <a:effectRef idx="2">
+          <a:schemeClr val="accent1"/>
+        </a:effectRef>
+        <a:fontRef idx="minor">
+          <a:schemeClr val="lt1"/>
+        </a:fontRef>
+      </a:style>
+    </a:spDef>
+    <a:lnDef>
+      <a:spPr/>
+      <a:bodyPr/>
+      <a:lstStyle/>
+      <a:style>
+        <a:lnRef idx="2">
+          <a:schemeClr val="accent1"/>
+        </a:lnRef>
+        <a:fillRef idx="0">
+          <a:schemeClr val="accent1"/>
+        </a:fillRef>
+        <a:effectRef idx="1">
+          <a:schemeClr val="accent1"/>
+        </a:effectRef>
+        <a:fontRef idx="minor">
+          <a:schemeClr val="tx1"/>
+        </a:fontRef>
+      </a:style>
+    </a:lnDef>
+  </a:objectDefaults>
+  <a:extraClrSchemeLst/>
+</a:theme>
 </file>